--- a/experience/slides/template_bleu.pptx
+++ b/experience/slides/template_bleu.pptx
@@ -6,9 +6,9 @@
   </p:sldMasterIdLst>
   <p:sldIdLst>
     <p:sldId id="262" r:id="rId2"/>
-    <p:sldId id="257" r:id="rId3"/>
-    <p:sldId id="258" r:id="rId4"/>
-    <p:sldId id="259" r:id="rId5"/>
+    <p:sldId id="258" r:id="rId3"/>
+    <p:sldId id="259" r:id="rId4"/>
+    <p:sldId id="257" r:id="rId5"/>
     <p:sldId id="281" r:id="rId6"/>
     <p:sldId id="261" r:id="rId7"/>
   </p:sldIdLst>
@@ -109,6 +109,11 @@
       </a:defRPr>
     </a:lvl9pPr>
   </p:defaultTextStyle>
+  <p:extLst>
+    <p:ext uri="{EFAFB233-063F-42B5-8137-9DF3F51BA10A}">
+      <p15:sldGuideLst xmlns:p15="http://schemas.microsoft.com/office/powerpoint/2012/main"/>
+    </p:ext>
+  </p:extLst>
 </p:presentation>
 </file>
 
@@ -243,7 +248,7 @@
           <a:p>
             <a:fld id="{85E91331-CF6B-45AE-B28B-6DD422C3E7B6}" type="datetimeFigureOut">
               <a:rPr lang="es-419" smtClean="0"/>
-              <a:t>7/1/2021</a:t>
+              <a:t>11/1/2021</a:t>
             </a:fld>
             <a:endParaRPr lang="es-419"/>
           </a:p>
@@ -413,7 +418,7 @@
           <a:p>
             <a:fld id="{85E91331-CF6B-45AE-B28B-6DD422C3E7B6}" type="datetimeFigureOut">
               <a:rPr lang="es-419" smtClean="0"/>
-              <a:t>7/1/2021</a:t>
+              <a:t>11/1/2021</a:t>
             </a:fld>
             <a:endParaRPr lang="es-419"/>
           </a:p>
@@ -593,7 +598,7 @@
           <a:p>
             <a:fld id="{85E91331-CF6B-45AE-B28B-6DD422C3E7B6}" type="datetimeFigureOut">
               <a:rPr lang="es-419" smtClean="0"/>
-              <a:t>7/1/2021</a:t>
+              <a:t>11/1/2021</a:t>
             </a:fld>
             <a:endParaRPr lang="es-419"/>
           </a:p>
@@ -763,7 +768,7 @@
           <a:p>
             <a:fld id="{85E91331-CF6B-45AE-B28B-6DD422C3E7B6}" type="datetimeFigureOut">
               <a:rPr lang="es-419" smtClean="0"/>
-              <a:t>7/1/2021</a:t>
+              <a:t>11/1/2021</a:t>
             </a:fld>
             <a:endParaRPr lang="es-419"/>
           </a:p>
@@ -1009,7 +1014,7 @@
           <a:p>
             <a:fld id="{85E91331-CF6B-45AE-B28B-6DD422C3E7B6}" type="datetimeFigureOut">
               <a:rPr lang="es-419" smtClean="0"/>
-              <a:t>7/1/2021</a:t>
+              <a:t>11/1/2021</a:t>
             </a:fld>
             <a:endParaRPr lang="es-419"/>
           </a:p>
@@ -1241,7 +1246,7 @@
           <a:p>
             <a:fld id="{85E91331-CF6B-45AE-B28B-6DD422C3E7B6}" type="datetimeFigureOut">
               <a:rPr lang="es-419" smtClean="0"/>
-              <a:t>7/1/2021</a:t>
+              <a:t>11/1/2021</a:t>
             </a:fld>
             <a:endParaRPr lang="es-419"/>
           </a:p>
@@ -1608,7 +1613,7 @@
           <a:p>
             <a:fld id="{85E91331-CF6B-45AE-B28B-6DD422C3E7B6}" type="datetimeFigureOut">
               <a:rPr lang="es-419" smtClean="0"/>
-              <a:t>7/1/2021</a:t>
+              <a:t>11/1/2021</a:t>
             </a:fld>
             <a:endParaRPr lang="es-419"/>
           </a:p>
@@ -1726,7 +1731,7 @@
           <a:p>
             <a:fld id="{85E91331-CF6B-45AE-B28B-6DD422C3E7B6}" type="datetimeFigureOut">
               <a:rPr lang="es-419" smtClean="0"/>
-              <a:t>7/1/2021</a:t>
+              <a:t>11/1/2021</a:t>
             </a:fld>
             <a:endParaRPr lang="es-419"/>
           </a:p>
@@ -1821,7 +1826,7 @@
           <a:p>
             <a:fld id="{85E91331-CF6B-45AE-B28B-6DD422C3E7B6}" type="datetimeFigureOut">
               <a:rPr lang="es-419" smtClean="0"/>
-              <a:t>7/1/2021</a:t>
+              <a:t>11/1/2021</a:t>
             </a:fld>
             <a:endParaRPr lang="es-419"/>
           </a:p>
@@ -2098,7 +2103,7 @@
           <a:p>
             <a:fld id="{85E91331-CF6B-45AE-B28B-6DD422C3E7B6}" type="datetimeFigureOut">
               <a:rPr lang="es-419" smtClean="0"/>
-              <a:t>7/1/2021</a:t>
+              <a:t>11/1/2021</a:t>
             </a:fld>
             <a:endParaRPr lang="es-419"/>
           </a:p>
@@ -2355,7 +2360,7 @@
           <a:p>
             <a:fld id="{85E91331-CF6B-45AE-B28B-6DD422C3E7B6}" type="datetimeFigureOut">
               <a:rPr lang="es-419" smtClean="0"/>
-              <a:t>7/1/2021</a:t>
+              <a:t>11/1/2021</a:t>
             </a:fld>
             <a:endParaRPr lang="es-419"/>
           </a:p>
@@ -2568,7 +2573,7 @@
           <a:p>
             <a:fld id="{85E91331-CF6B-45AE-B28B-6DD422C3E7B6}" type="datetimeFigureOut">
               <a:rPr lang="es-419" smtClean="0"/>
-              <a:t>7/1/2021</a:t>
+              <a:t>11/1/2021</a:t>
             </a:fld>
             <a:endParaRPr lang="es-419"/>
           </a:p>
@@ -3230,261 +3235,6 @@
       </p:grpSpPr>
       <p:grpSp>
         <p:nvGrpSpPr>
-          <p:cNvPr id="4" name="Groupe 3">
-            <a:extLst>
-              <a:ext uri="{FF2B5EF4-FFF2-40B4-BE49-F238E27FC236}">
-                <a16:creationId xmlns:a16="http://schemas.microsoft.com/office/drawing/2014/main" id="{A677340D-9883-468E-8A99-2798519B8EDA}"/>
-              </a:ext>
-            </a:extLst>
-          </p:cNvPr>
-          <p:cNvGrpSpPr/>
-          <p:nvPr/>
-        </p:nvGrpSpPr>
-        <p:grpSpPr>
-          <a:xfrm>
-            <a:off x="5399450" y="198"/>
-            <a:ext cx="360000" cy="360000"/>
-            <a:chOff x="751840" y="670560"/>
-            <a:chExt cx="720000" cy="720000"/>
-          </a:xfrm>
-        </p:grpSpPr>
-        <p:sp>
-          <p:nvSpPr>
-            <p:cNvPr id="5" name="Rectangle 4">
-              <a:extLst>
-                <a:ext uri="{FF2B5EF4-FFF2-40B4-BE49-F238E27FC236}">
-                  <a16:creationId xmlns:a16="http://schemas.microsoft.com/office/drawing/2014/main" id="{77FD1D4F-6BD0-4BF4-83B0-ACF7F1E21871}"/>
-                </a:ext>
-              </a:extLst>
-            </p:cNvPr>
-            <p:cNvSpPr/>
-            <p:nvPr/>
-          </p:nvSpPr>
-          <p:spPr>
-            <a:xfrm>
-              <a:off x="751840" y="670560"/>
-              <a:ext cx="720000" cy="720000"/>
-            </a:xfrm>
-            <a:prstGeom prst="rect">
-              <a:avLst/>
-            </a:prstGeom>
-            <a:solidFill>
-              <a:schemeClr val="accent1"/>
-            </a:solidFill>
-            <a:ln w="9525"/>
-          </p:spPr>
-          <p:style>
-            <a:lnRef idx="2">
-              <a:schemeClr val="accent1">
-                <a:shade val="50000"/>
-              </a:schemeClr>
-            </a:lnRef>
-            <a:fillRef idx="1">
-              <a:schemeClr val="accent1"/>
-            </a:fillRef>
-            <a:effectRef idx="0">
-              <a:schemeClr val="accent1"/>
-            </a:effectRef>
-            <a:fontRef idx="minor">
-              <a:schemeClr val="lt1"/>
-            </a:fontRef>
-          </p:style>
-          <p:txBody>
-            <a:bodyPr rtlCol="0" anchor="ctr"/>
-            <a:lstStyle/>
-            <a:p>
-              <a:pPr algn="ctr"/>
-              <a:endParaRPr lang="es-419" sz="402" dirty="0"/>
-            </a:p>
-          </p:txBody>
-        </p:sp>
-        <p:cxnSp>
-          <p:nvCxnSpPr>
-            <p:cNvPr id="6" name="Connecteur droit 5">
-              <a:extLst>
-                <a:ext uri="{FF2B5EF4-FFF2-40B4-BE49-F238E27FC236}">
-                  <a16:creationId xmlns:a16="http://schemas.microsoft.com/office/drawing/2014/main" id="{866EE649-B965-487F-B745-B7CF988EC291}"/>
-                </a:ext>
-              </a:extLst>
-            </p:cNvPr>
-            <p:cNvCxnSpPr/>
-            <p:nvPr/>
-          </p:nvCxnSpPr>
-          <p:spPr>
-            <a:xfrm>
-              <a:off x="751840" y="670560"/>
-              <a:ext cx="720000" cy="720000"/>
-            </a:xfrm>
-            <a:prstGeom prst="line">
-              <a:avLst/>
-            </a:prstGeom>
-            <a:ln w="9525">
-              <a:solidFill>
-                <a:schemeClr val="bg1"/>
-              </a:solidFill>
-            </a:ln>
-          </p:spPr>
-          <p:style>
-            <a:lnRef idx="1">
-              <a:schemeClr val="accent1"/>
-            </a:lnRef>
-            <a:fillRef idx="0">
-              <a:schemeClr val="accent1"/>
-            </a:fillRef>
-            <a:effectRef idx="0">
-              <a:schemeClr val="accent1"/>
-            </a:effectRef>
-            <a:fontRef idx="minor">
-              <a:schemeClr val="tx1"/>
-            </a:fontRef>
-          </p:style>
-        </p:cxnSp>
-        <p:cxnSp>
-          <p:nvCxnSpPr>
-            <p:cNvPr id="7" name="Connecteur droit 6">
-              <a:extLst>
-                <a:ext uri="{FF2B5EF4-FFF2-40B4-BE49-F238E27FC236}">
-                  <a16:creationId xmlns:a16="http://schemas.microsoft.com/office/drawing/2014/main" id="{5A2DE221-7F58-467D-9CA4-75798F41574B}"/>
-                </a:ext>
-              </a:extLst>
-            </p:cNvPr>
-            <p:cNvCxnSpPr>
-              <a:cxnSpLocks/>
-            </p:cNvCxnSpPr>
-            <p:nvPr/>
-          </p:nvCxnSpPr>
-          <p:spPr>
-            <a:xfrm flipH="1">
-              <a:off x="751840" y="670560"/>
-              <a:ext cx="720000" cy="720000"/>
-            </a:xfrm>
-            <a:prstGeom prst="line">
-              <a:avLst/>
-            </a:prstGeom>
-            <a:ln w="9525">
-              <a:solidFill>
-                <a:schemeClr val="bg1"/>
-              </a:solidFill>
-            </a:ln>
-          </p:spPr>
-          <p:style>
-            <a:lnRef idx="1">
-              <a:schemeClr val="accent1"/>
-            </a:lnRef>
-            <a:fillRef idx="0">
-              <a:schemeClr val="accent1"/>
-            </a:fillRef>
-            <a:effectRef idx="0">
-              <a:schemeClr val="accent1"/>
-            </a:effectRef>
-            <a:fontRef idx="minor">
-              <a:schemeClr val="tx1"/>
-            </a:fontRef>
-          </p:style>
-        </p:cxnSp>
-      </p:grpSp>
-      <p:sp>
-        <p:nvSpPr>
-          <p:cNvPr id="8" name="Ellipse 7">
-            <a:extLst>
-              <a:ext uri="{FF2B5EF4-FFF2-40B4-BE49-F238E27FC236}">
-                <a16:creationId xmlns:a16="http://schemas.microsoft.com/office/drawing/2014/main" id="{9EFB738B-39DC-43FB-A427-51CF94B5A2D9}"/>
-              </a:ext>
-            </a:extLst>
-          </p:cNvPr>
-          <p:cNvSpPr/>
-          <p:nvPr/>
-        </p:nvSpPr>
-        <p:spPr>
-          <a:xfrm>
-            <a:off x="5561450" y="162198"/>
-            <a:ext cx="36000" cy="36000"/>
-          </a:xfrm>
-          <a:prstGeom prst="ellipse">
-            <a:avLst/>
-          </a:prstGeom>
-          <a:solidFill>
-            <a:schemeClr val="bg1"/>
-          </a:solidFill>
-          <a:ln w="9525">
-            <a:solidFill>
-              <a:schemeClr val="bg1"/>
-            </a:solidFill>
-          </a:ln>
-          <a:effectLst>
-            <a:glow rad="139700">
-              <a:schemeClr val="accent3">
-                <a:satMod val="175000"/>
-                <a:alpha val="40000"/>
-              </a:schemeClr>
-            </a:glow>
-          </a:effectLst>
-        </p:spPr>
-        <p:style>
-          <a:lnRef idx="2">
-            <a:schemeClr val="accent1">
-              <a:shade val="50000"/>
-            </a:schemeClr>
-          </a:lnRef>
-          <a:fillRef idx="1">
-            <a:schemeClr val="accent1"/>
-          </a:fillRef>
-          <a:effectRef idx="0">
-            <a:schemeClr val="accent1"/>
-          </a:effectRef>
-          <a:fontRef idx="minor">
-            <a:schemeClr val="lt1"/>
-          </a:fontRef>
-        </p:style>
-        <p:txBody>
-          <a:bodyPr rtlCol="0" anchor="ctr"/>
-          <a:lstStyle/>
-          <a:p>
-            <a:pPr algn="ctr"/>
-            <a:endParaRPr lang="es-419" sz="402" dirty="0"/>
-          </a:p>
-        </p:txBody>
-      </p:sp>
-    </p:spTree>
-    <p:extLst>
-      <p:ext uri="{BB962C8B-B14F-4D97-AF65-F5344CB8AC3E}">
-        <p14:creationId xmlns:p14="http://schemas.microsoft.com/office/powerpoint/2010/main" val="3336002141"/>
-      </p:ext>
-    </p:extLst>
-  </p:cSld>
-  <p:clrMapOvr>
-    <a:masterClrMapping/>
-  </p:clrMapOvr>
-  <mc:AlternateContent xmlns:mc="http://schemas.openxmlformats.org/markup-compatibility/2006" xmlns:p14="http://schemas.microsoft.com/office/powerpoint/2010/main">
-    <mc:Choice Requires="p14">
-      <p:transition spd="slow" p14:dur="2000" advClick="0" advTm="2000"/>
-    </mc:Choice>
-    <mc:Fallback xmlns="">
-      <p:transition spd="slow" advClick="0" advTm="2000"/>
-    </mc:Fallback>
-  </mc:AlternateContent>
-</p:sld>
-</file>
-
-<file path=ppt/slides/slide3.xml><?xml version="1.0" encoding="utf-8"?>
-<p:sld xmlns:a="http://schemas.openxmlformats.org/drawingml/2006/main" xmlns:r="http://schemas.openxmlformats.org/officeDocument/2006/relationships" xmlns:p="http://schemas.openxmlformats.org/presentationml/2006/main">
-  <p:cSld>
-    <p:spTree>
-      <p:nvGrpSpPr>
-        <p:cNvPr id="1" name=""/>
-        <p:cNvGrpSpPr/>
-        <p:nvPr/>
-      </p:nvGrpSpPr>
-      <p:grpSpPr>
-        <a:xfrm>
-          <a:off x="0" y="0"/>
-          <a:ext cx="0" cy="0"/>
-          <a:chOff x="0" y="0"/>
-          <a:chExt cx="0" cy="0"/>
-        </a:xfrm>
-      </p:grpSpPr>
-      <p:grpSp>
-        <p:nvGrpSpPr>
           <p:cNvPr id="2" name="Groupe 1">
             <a:extLst>
               <a:ext uri="{FF2B5EF4-FFF2-40B4-BE49-F238E27FC236}">
@@ -3721,7 +3471,7 @@
 </p:sld>
 </file>
 
-<file path=ppt/slides/slide4.xml><?xml version="1.0" encoding="utf-8"?>
+<file path=ppt/slides/slide3.xml><?xml version="1.0" encoding="utf-8"?>
 <p:sld xmlns:a="http://schemas.openxmlformats.org/drawingml/2006/main" xmlns:r="http://schemas.openxmlformats.org/officeDocument/2006/relationships" xmlns:p="http://schemas.openxmlformats.org/presentationml/2006/main">
   <p:cSld>
     <p:spTree>
@@ -3959,6 +3709,261 @@
     <p:extLst>
       <p:ext uri="{BB962C8B-B14F-4D97-AF65-F5344CB8AC3E}">
         <p14:creationId xmlns:p14="http://schemas.microsoft.com/office/powerpoint/2010/main" val="52035971"/>
+      </p:ext>
+    </p:extLst>
+  </p:cSld>
+  <p:clrMapOvr>
+    <a:masterClrMapping/>
+  </p:clrMapOvr>
+  <mc:AlternateContent xmlns:mc="http://schemas.openxmlformats.org/markup-compatibility/2006" xmlns:p14="http://schemas.microsoft.com/office/powerpoint/2010/main">
+    <mc:Choice Requires="p14">
+      <p:transition spd="slow" p14:dur="2000" advClick="0" advTm="2000"/>
+    </mc:Choice>
+    <mc:Fallback xmlns="">
+      <p:transition spd="slow" advClick="0" advTm="2000"/>
+    </mc:Fallback>
+  </mc:AlternateContent>
+</p:sld>
+</file>
+
+<file path=ppt/slides/slide4.xml><?xml version="1.0" encoding="utf-8"?>
+<p:sld xmlns:a="http://schemas.openxmlformats.org/drawingml/2006/main" xmlns:r="http://schemas.openxmlformats.org/officeDocument/2006/relationships" xmlns:p="http://schemas.openxmlformats.org/presentationml/2006/main">
+  <p:cSld>
+    <p:spTree>
+      <p:nvGrpSpPr>
+        <p:cNvPr id="1" name=""/>
+        <p:cNvGrpSpPr/>
+        <p:nvPr/>
+      </p:nvGrpSpPr>
+      <p:grpSpPr>
+        <a:xfrm>
+          <a:off x="0" y="0"/>
+          <a:ext cx="0" cy="0"/>
+          <a:chOff x="0" y="0"/>
+          <a:chExt cx="0" cy="0"/>
+        </a:xfrm>
+      </p:grpSpPr>
+      <p:grpSp>
+        <p:nvGrpSpPr>
+          <p:cNvPr id="4" name="Groupe 3">
+            <a:extLst>
+              <a:ext uri="{FF2B5EF4-FFF2-40B4-BE49-F238E27FC236}">
+                <a16:creationId xmlns:a16="http://schemas.microsoft.com/office/drawing/2014/main" id="{A677340D-9883-468E-8A99-2798519B8EDA}"/>
+              </a:ext>
+            </a:extLst>
+          </p:cNvPr>
+          <p:cNvGrpSpPr/>
+          <p:nvPr/>
+        </p:nvGrpSpPr>
+        <p:grpSpPr>
+          <a:xfrm>
+            <a:off x="5399450" y="198"/>
+            <a:ext cx="360000" cy="360000"/>
+            <a:chOff x="751840" y="670560"/>
+            <a:chExt cx="720000" cy="720000"/>
+          </a:xfrm>
+        </p:grpSpPr>
+        <p:sp>
+          <p:nvSpPr>
+            <p:cNvPr id="5" name="Rectangle 4">
+              <a:extLst>
+                <a:ext uri="{FF2B5EF4-FFF2-40B4-BE49-F238E27FC236}">
+                  <a16:creationId xmlns:a16="http://schemas.microsoft.com/office/drawing/2014/main" id="{77FD1D4F-6BD0-4BF4-83B0-ACF7F1E21871}"/>
+                </a:ext>
+              </a:extLst>
+            </p:cNvPr>
+            <p:cNvSpPr/>
+            <p:nvPr/>
+          </p:nvSpPr>
+          <p:spPr>
+            <a:xfrm>
+              <a:off x="751840" y="670560"/>
+              <a:ext cx="720000" cy="720000"/>
+            </a:xfrm>
+            <a:prstGeom prst="rect">
+              <a:avLst/>
+            </a:prstGeom>
+            <a:solidFill>
+              <a:schemeClr val="accent1"/>
+            </a:solidFill>
+            <a:ln w="9525"/>
+          </p:spPr>
+          <p:style>
+            <a:lnRef idx="2">
+              <a:schemeClr val="accent1">
+                <a:shade val="50000"/>
+              </a:schemeClr>
+            </a:lnRef>
+            <a:fillRef idx="1">
+              <a:schemeClr val="accent1"/>
+            </a:fillRef>
+            <a:effectRef idx="0">
+              <a:schemeClr val="accent1"/>
+            </a:effectRef>
+            <a:fontRef idx="minor">
+              <a:schemeClr val="lt1"/>
+            </a:fontRef>
+          </p:style>
+          <p:txBody>
+            <a:bodyPr rtlCol="0" anchor="ctr"/>
+            <a:lstStyle/>
+            <a:p>
+              <a:pPr algn="ctr"/>
+              <a:endParaRPr lang="es-419" sz="402" dirty="0"/>
+            </a:p>
+          </p:txBody>
+        </p:sp>
+        <p:cxnSp>
+          <p:nvCxnSpPr>
+            <p:cNvPr id="6" name="Connecteur droit 5">
+              <a:extLst>
+                <a:ext uri="{FF2B5EF4-FFF2-40B4-BE49-F238E27FC236}">
+                  <a16:creationId xmlns:a16="http://schemas.microsoft.com/office/drawing/2014/main" id="{866EE649-B965-487F-B745-B7CF988EC291}"/>
+                </a:ext>
+              </a:extLst>
+            </p:cNvPr>
+            <p:cNvCxnSpPr/>
+            <p:nvPr/>
+          </p:nvCxnSpPr>
+          <p:spPr>
+            <a:xfrm>
+              <a:off x="751840" y="670560"/>
+              <a:ext cx="720000" cy="720000"/>
+            </a:xfrm>
+            <a:prstGeom prst="line">
+              <a:avLst/>
+            </a:prstGeom>
+            <a:ln w="9525">
+              <a:solidFill>
+                <a:schemeClr val="bg1"/>
+              </a:solidFill>
+            </a:ln>
+          </p:spPr>
+          <p:style>
+            <a:lnRef idx="1">
+              <a:schemeClr val="accent1"/>
+            </a:lnRef>
+            <a:fillRef idx="0">
+              <a:schemeClr val="accent1"/>
+            </a:fillRef>
+            <a:effectRef idx="0">
+              <a:schemeClr val="accent1"/>
+            </a:effectRef>
+            <a:fontRef idx="minor">
+              <a:schemeClr val="tx1"/>
+            </a:fontRef>
+          </p:style>
+        </p:cxnSp>
+        <p:cxnSp>
+          <p:nvCxnSpPr>
+            <p:cNvPr id="7" name="Connecteur droit 6">
+              <a:extLst>
+                <a:ext uri="{FF2B5EF4-FFF2-40B4-BE49-F238E27FC236}">
+                  <a16:creationId xmlns:a16="http://schemas.microsoft.com/office/drawing/2014/main" id="{5A2DE221-7F58-467D-9CA4-75798F41574B}"/>
+                </a:ext>
+              </a:extLst>
+            </p:cNvPr>
+            <p:cNvCxnSpPr>
+              <a:cxnSpLocks/>
+            </p:cNvCxnSpPr>
+            <p:nvPr/>
+          </p:nvCxnSpPr>
+          <p:spPr>
+            <a:xfrm flipH="1">
+              <a:off x="751840" y="670560"/>
+              <a:ext cx="720000" cy="720000"/>
+            </a:xfrm>
+            <a:prstGeom prst="line">
+              <a:avLst/>
+            </a:prstGeom>
+            <a:ln w="9525">
+              <a:solidFill>
+                <a:schemeClr val="bg1"/>
+              </a:solidFill>
+            </a:ln>
+          </p:spPr>
+          <p:style>
+            <a:lnRef idx="1">
+              <a:schemeClr val="accent1"/>
+            </a:lnRef>
+            <a:fillRef idx="0">
+              <a:schemeClr val="accent1"/>
+            </a:fillRef>
+            <a:effectRef idx="0">
+              <a:schemeClr val="accent1"/>
+            </a:effectRef>
+            <a:fontRef idx="minor">
+              <a:schemeClr val="tx1"/>
+            </a:fontRef>
+          </p:style>
+        </p:cxnSp>
+      </p:grpSp>
+      <p:sp>
+        <p:nvSpPr>
+          <p:cNvPr id="8" name="Ellipse 7">
+            <a:extLst>
+              <a:ext uri="{FF2B5EF4-FFF2-40B4-BE49-F238E27FC236}">
+                <a16:creationId xmlns:a16="http://schemas.microsoft.com/office/drawing/2014/main" id="{9EFB738B-39DC-43FB-A427-51CF94B5A2D9}"/>
+              </a:ext>
+            </a:extLst>
+          </p:cNvPr>
+          <p:cNvSpPr/>
+          <p:nvPr/>
+        </p:nvSpPr>
+        <p:spPr>
+          <a:xfrm>
+            <a:off x="5561450" y="162198"/>
+            <a:ext cx="36000" cy="36000"/>
+          </a:xfrm>
+          <a:prstGeom prst="ellipse">
+            <a:avLst/>
+          </a:prstGeom>
+          <a:solidFill>
+            <a:schemeClr val="bg1"/>
+          </a:solidFill>
+          <a:ln w="9525">
+            <a:solidFill>
+              <a:schemeClr val="bg1"/>
+            </a:solidFill>
+          </a:ln>
+          <a:effectLst>
+            <a:glow rad="139700">
+              <a:schemeClr val="accent3">
+                <a:satMod val="175000"/>
+                <a:alpha val="40000"/>
+              </a:schemeClr>
+            </a:glow>
+          </a:effectLst>
+        </p:spPr>
+        <p:style>
+          <a:lnRef idx="2">
+            <a:schemeClr val="accent1">
+              <a:shade val="50000"/>
+            </a:schemeClr>
+          </a:lnRef>
+          <a:fillRef idx="1">
+            <a:schemeClr val="accent1"/>
+          </a:fillRef>
+          <a:effectRef idx="0">
+            <a:schemeClr val="accent1"/>
+          </a:effectRef>
+          <a:fontRef idx="minor">
+            <a:schemeClr val="lt1"/>
+          </a:fontRef>
+        </p:style>
+        <p:txBody>
+          <a:bodyPr rtlCol="0" anchor="ctr"/>
+          <a:lstStyle/>
+          <a:p>
+            <a:pPr algn="ctr"/>
+            <a:endParaRPr lang="es-419" sz="402" dirty="0"/>
+          </a:p>
+        </p:txBody>
+      </p:sp>
+    </p:spTree>
+    <p:extLst>
+      <p:ext uri="{BB962C8B-B14F-4D97-AF65-F5344CB8AC3E}">
+        <p14:creationId xmlns:p14="http://schemas.microsoft.com/office/powerpoint/2010/main" val="3336002141"/>
       </p:ext>
     </p:extLst>
   </p:cSld>
